--- a/resources/online_profile/online_profile_outline.pptx
+++ b/resources/online_profile/online_profile_outline.pptx
@@ -109,6 +109,11 @@
       </a:defRPr>
     </a:lvl9pPr>
   </p:defaultTextStyle>
+  <p:extLst>
+    <p:ext uri="{EFAFB233-063F-42B5-8137-9DF3F51BA10A}">
+      <p15:sldGuideLst xmlns:p15="http://schemas.microsoft.com/office/powerpoint/2012/main"/>
+    </p:ext>
+  </p:extLst>
 </p:presentation>
 </file>
 
@@ -16934,13 +16939,13 @@
         </p:nvSpPr>
         <p:spPr>
           <a:xfrm>
-            <a:off x="1386840" y="1453391"/>
+            <a:off x="1386840" y="1248181"/>
             <a:ext cx="9418320" cy="4804796"/>
           </a:xfrm>
         </p:spPr>
         <p:txBody>
           <a:bodyPr>
-            <a:normAutofit fontScale="92500" lnSpcReduction="20000"/>
+            <a:normAutofit fontScale="70000" lnSpcReduction="20000"/>
           </a:bodyPr>
           <a:lstStyle/>
           <a:p>
@@ -16991,7 +16996,7 @@
                   <a:schemeClr val="tx1"/>
                 </a:solidFill>
               </a:rPr>
-              <a:t>Reflection and CV</a:t>
+              <a:t>Reflection/CV/Assignments</a:t>
             </a:r>
           </a:p>
           <a:p>
@@ -17044,6 +17049,37 @@
               </a:rPr>
               <a:t>Accomplishments and Concerns</a:t>
             </a:r>
+          </a:p>
+          <a:p>
+            <a:pPr marL="342900" indent="-342900">
+              <a:lnSpc>
+                <a:spcPct val="220000"/>
+              </a:lnSpc>
+              <a:buFont typeface="Arial" panose="020B0604020202020204" pitchFamily="34" charset="0"/>
+              <a:buChar char="•"/>
+            </a:pPr>
+            <a:r>
+              <a:rPr lang="en-US" dirty="0">
+                <a:solidFill>
+                  <a:schemeClr val="tx1"/>
+                </a:solidFill>
+              </a:rPr>
+              <a:t>Scheduling</a:t>
+            </a:r>
+          </a:p>
+          <a:p>
+            <a:pPr marL="342900" indent="-342900">
+              <a:lnSpc>
+                <a:spcPct val="220000"/>
+              </a:lnSpc>
+              <a:buFont typeface="Arial" panose="020B0604020202020204" pitchFamily="34" charset="0"/>
+              <a:buChar char="•"/>
+            </a:pPr>
+            <a:endParaRPr lang="en-US" dirty="0">
+              <a:solidFill>
+                <a:schemeClr val="tx1"/>
+              </a:solidFill>
+            </a:endParaRPr>
           </a:p>
         </p:txBody>
       </p:sp>
@@ -17156,6 +17192,38 @@
             </a:r>
           </a:p>
           <a:p>
+            <a:pPr>
+              <a:lnSpc>
+                <a:spcPct val="100000"/>
+              </a:lnSpc>
+            </a:pPr>
+            <a:r>
+              <a:rPr lang="en-US" sz="1400" dirty="0">
+                <a:solidFill>
+                  <a:schemeClr val="tx1"/>
+                </a:solidFill>
+              </a:rPr>
+              <a:t>Improving outlook on graduate school, very curated and what you want people to see, important for certain things, weird that employers have access to, privacy, some people feel entitled to this information that should be a person's choice, from an employers stand point those outside perspectives can allow them to be judged, </a:t>
+            </a:r>
+          </a:p>
+          <a:p>
+            <a:pPr marL="285750" indent="-285750">
+              <a:lnSpc>
+                <a:spcPct val="100000"/>
+              </a:lnSpc>
+              <a:buFont typeface="Arial" panose="020B0604020202020204" pitchFamily="34" charset="0"/>
+              <a:buChar char="•"/>
+            </a:pPr>
+            <a:r>
+              <a:rPr lang="en-US" sz="1400" dirty="0">
+                <a:solidFill>
+                  <a:schemeClr val="tx1"/>
+                </a:solidFill>
+              </a:rPr>
+              <a:t>Confident: Good idea of be able to distinguish between real and fake, </a:t>
+            </a:r>
+          </a:p>
+          <a:p>
             <a:pPr marL="342900" indent="-342900">
               <a:lnSpc>
                 <a:spcPct val="100000"/>
@@ -17164,12 +17232,12 @@
               <a:buChar char="•"/>
             </a:pPr>
             <a:r>
-              <a:rPr lang="en-US" dirty="0">
+              <a:rPr lang="en-US" sz="1400" dirty="0">
                 <a:solidFill>
                   <a:schemeClr val="tx1"/>
                 </a:solidFill>
               </a:rPr>
-              <a:t>Confident:</a:t>
+              <a:t>Curious: Media literacy, ability to discern purpose, can the employers check/continually check, </a:t>
             </a:r>
           </a:p>
           <a:p>
@@ -17181,12 +17249,12 @@
               <a:buChar char="•"/>
             </a:pPr>
             <a:r>
-              <a:rPr lang="en-US" dirty="0">
+              <a:rPr lang="en-US" sz="1400" dirty="0">
                 <a:solidFill>
                   <a:schemeClr val="tx1"/>
                 </a:solidFill>
               </a:rPr>
-              <a:t>Curious:</a:t>
+              <a:t>Confused: Creating a brand, protesting or speaking your viewpoints</a:t>
             </a:r>
           </a:p>
           <a:p>
@@ -17198,12 +17266,12 @@
               <a:buChar char="•"/>
             </a:pPr>
             <a:r>
-              <a:rPr lang="en-US" dirty="0">
+              <a:rPr lang="en-US" sz="1400" dirty="0">
                 <a:solidFill>
                   <a:schemeClr val="tx1"/>
                 </a:solidFill>
               </a:rPr>
-              <a:t>Confused:</a:t>
+              <a:t> </a:t>
             </a:r>
           </a:p>
         </p:txBody>
@@ -17383,7 +17451,7 @@
                   <a:schemeClr val="tx1"/>
                 </a:solidFill>
               </a:rPr>
-              <a:t>Do you have a research blog site? Github, weebly (ads), and wordpress (ads) are free</a:t>
+              <a:t>Do you have an academic blog site? Github, weebly (ads), and wordpress (ads) are free</a:t>
             </a:r>
           </a:p>
           <a:p>
